--- a/Loyalty_Vibes_Pitch_Deck.pptx
+++ b/Loyalty_Vibes_Pitch_Deck.pptx
@@ -317,7 +317,7 @@
           <a:p>
             <a:fld id="{5BCAD085-E8A6-8845-BD4E-CB4CCA059FC4}" type="datetimeFigureOut">
               <a:rPr lang="en-US" smtClean="0"/>
-              <a:t>5/24/2025</a:t>
+              <a:t>5/25/2025</a:t>
             </a:fld>
             <a:endParaRPr lang="en-US"/>
           </a:p>
@@ -485,7 +485,7 @@
           <a:p>
             <a:fld id="{5BCAD085-E8A6-8845-BD4E-CB4CCA059FC4}" type="datetimeFigureOut">
               <a:rPr lang="en-US" smtClean="0"/>
-              <a:t>5/24/2025</a:t>
+              <a:t>5/25/2025</a:t>
             </a:fld>
             <a:endParaRPr lang="en-US"/>
           </a:p>
@@ -663,7 +663,7 @@
           <a:p>
             <a:fld id="{5BCAD085-E8A6-8845-BD4E-CB4CCA059FC4}" type="datetimeFigureOut">
               <a:rPr lang="en-US" smtClean="0"/>
-              <a:t>5/24/2025</a:t>
+              <a:t>5/25/2025</a:t>
             </a:fld>
             <a:endParaRPr lang="en-US"/>
           </a:p>
@@ -831,7 +831,7 @@
           <a:p>
             <a:fld id="{5BCAD085-E8A6-8845-BD4E-CB4CCA059FC4}" type="datetimeFigureOut">
               <a:rPr lang="en-US" smtClean="0"/>
-              <a:t>5/24/2025</a:t>
+              <a:t>5/25/2025</a:t>
             </a:fld>
             <a:endParaRPr lang="en-US"/>
           </a:p>
@@ -1076,7 +1076,7 @@
           <a:p>
             <a:fld id="{5BCAD085-E8A6-8845-BD4E-CB4CCA059FC4}" type="datetimeFigureOut">
               <a:rPr lang="en-US" smtClean="0"/>
-              <a:t>5/24/2025</a:t>
+              <a:t>5/25/2025</a:t>
             </a:fld>
             <a:endParaRPr lang="en-US"/>
           </a:p>
@@ -1361,7 +1361,7 @@
           <a:p>
             <a:fld id="{5BCAD085-E8A6-8845-BD4E-CB4CCA059FC4}" type="datetimeFigureOut">
               <a:rPr lang="en-US" smtClean="0"/>
-              <a:t>5/24/2025</a:t>
+              <a:t>5/25/2025</a:t>
             </a:fld>
             <a:endParaRPr lang="en-US"/>
           </a:p>
@@ -1780,7 +1780,7 @@
           <a:p>
             <a:fld id="{5BCAD085-E8A6-8845-BD4E-CB4CCA059FC4}" type="datetimeFigureOut">
               <a:rPr lang="en-US" smtClean="0"/>
-              <a:t>5/24/2025</a:t>
+              <a:t>5/25/2025</a:t>
             </a:fld>
             <a:endParaRPr lang="en-US"/>
           </a:p>
@@ -1897,7 +1897,7 @@
           <a:p>
             <a:fld id="{5BCAD085-E8A6-8845-BD4E-CB4CCA059FC4}" type="datetimeFigureOut">
               <a:rPr lang="en-US" smtClean="0"/>
-              <a:t>5/24/2025</a:t>
+              <a:t>5/25/2025</a:t>
             </a:fld>
             <a:endParaRPr lang="en-US"/>
           </a:p>
@@ -1992,7 +1992,7 @@
           <a:p>
             <a:fld id="{5BCAD085-E8A6-8845-BD4E-CB4CCA059FC4}" type="datetimeFigureOut">
               <a:rPr lang="en-US" smtClean="0"/>
-              <a:t>5/24/2025</a:t>
+              <a:t>5/25/2025</a:t>
             </a:fld>
             <a:endParaRPr lang="en-US"/>
           </a:p>
@@ -2267,7 +2267,7 @@
           <a:p>
             <a:fld id="{5BCAD085-E8A6-8845-BD4E-CB4CCA059FC4}" type="datetimeFigureOut">
               <a:rPr lang="en-US" smtClean="0"/>
-              <a:t>5/24/2025</a:t>
+              <a:t>5/25/2025</a:t>
             </a:fld>
             <a:endParaRPr lang="en-US"/>
           </a:p>
@@ -2519,7 +2519,7 @@
           <a:p>
             <a:fld id="{5BCAD085-E8A6-8845-BD4E-CB4CCA059FC4}" type="datetimeFigureOut">
               <a:rPr lang="en-US" smtClean="0"/>
-              <a:t>5/24/2025</a:t>
+              <a:t>5/25/2025</a:t>
             </a:fld>
             <a:endParaRPr lang="en-US"/>
           </a:p>
@@ -2730,7 +2730,7 @@
           <a:p>
             <a:fld id="{5BCAD085-E8A6-8845-BD4E-CB4CCA059FC4}" type="datetimeFigureOut">
               <a:rPr lang="en-US" smtClean="0"/>
-              <a:t>5/24/2025</a:t>
+              <a:t>5/25/2025</a:t>
             </a:fld>
             <a:endParaRPr lang="en-US"/>
           </a:p>
@@ -3634,27 +3634,59 @@
           <a:lstStyle/>
           <a:p>
             <a:r>
-              <a:t>👤 [Your Name] – Frontend + Supabase</a:t>
-            </a:r>
-          </a:p>
-          <a:p>
-            <a:r>
+              <a:rPr dirty="0"/>
+              <a:t>Team Loyalty Vibes</a:t>
+            </a:r>
+          </a:p>
+          <a:p>
+            <a:r>
+              <a:rPr dirty="0"/>
+              <a:t>👤 [Your Name] – Frontend + </a:t>
+            </a:r>
+            <a:r>
+              <a:rPr dirty="0" err="1"/>
+              <a:t>Supabase</a:t>
+            </a:r>
+            <a:endParaRPr dirty="0"/>
+          </a:p>
+          <a:p>
+            <a:r>
+              <a:rPr dirty="0"/>
               <a:t>👤 [Friend's Name] – DB Logic + Testing</a:t>
             </a:r>
           </a:p>
           <a:p>
             <a:r>
+              <a:rPr dirty="0"/>
               <a:t>📂 GitHub: github.com/your-username/loyalty-vibes</a:t>
             </a:r>
           </a:p>
           <a:p>
             <a:r>
+              <a:rPr dirty="0"/>
               <a:t>🎨 UI: Designed with MGX</a:t>
             </a:r>
           </a:p>
           <a:p>
             <a:r>
-              <a:t>🧠 AI Tools: Cursor AI + Bolt.new + Supabase + MGX</a:t>
+              <a:rPr dirty="0"/>
+              <a:t>🧠 AI Tools: Cursor AI + </a:t>
+            </a:r>
+            <a:r>
+              <a:rPr dirty="0" err="1"/>
+              <a:t>Bolt.new</a:t>
+            </a:r>
+            <a:r>
+              <a:rPr dirty="0"/>
+              <a:t> + </a:t>
+            </a:r>
+            <a:r>
+              <a:rPr dirty="0" err="1"/>
+              <a:t>Supabase</a:t>
+            </a:r>
+            <a:r>
+              <a:rPr dirty="0"/>
+              <a:t> + MGX</a:t>
             </a:r>
           </a:p>
         </p:txBody>
@@ -3721,19 +3753,16 @@
           <a:lstStyle/>
           <a:p>
             <a:r>
-              <a:rPr dirty="0"/>
               <a:t>Let your code spark joy.</a:t>
             </a:r>
           </a:p>
           <a:p>
             <a:r>
-              <a:rPr dirty="0"/>
               <a:t>Let your app build loyalty.</a:t>
             </a:r>
           </a:p>
           <a:p>
             <a:r>
-              <a:rPr dirty="0"/>
               <a:t>💈 Let’s Vibe and Code for Impact! 🎧💻🌍</a:t>
             </a:r>
           </a:p>
@@ -3780,7 +3809,7 @@
           <a:lstStyle/>
           <a:p>
             <a:r>
-              <a:t>Problem Statement</a:t>
+              <a:t>The Problem</a:t>
             </a:r>
           </a:p>
         </p:txBody>
@@ -3857,7 +3886,7 @@
           <a:lstStyle/>
           <a:p>
             <a:r>
-              <a:t>Our Solution</a:t>
+              <a:t>Our Solution – Loyalty Vibes</a:t>
             </a:r>
           </a:p>
         </p:txBody>
@@ -3965,22 +3994,27 @@
           <a:lstStyle/>
           <a:p>
             <a:r>
-              <a:t>Supabase – Backend, auth, and database</a:t>
-            </a:r>
-          </a:p>
-          <a:p>
-            <a:r>
-              <a:t>MGX – Lightning-fast UI prototyping</a:t>
-            </a:r>
-          </a:p>
-          <a:p>
-            <a:r>
-              <a:t>Cursor AI / Rork.app – Rapid front-end development</a:t>
-            </a:r>
-          </a:p>
-          <a:p>
-            <a:r>
-              <a:t>Bolt.new (optional) – Backend logic scripting</a:t>
+              <a:t>Tool               | Usage</a:t>
+            </a:r>
+          </a:p>
+          <a:p>
+            <a:r>
+              <a:t>-------------------|-----------------------------</a:t>
+            </a:r>
+          </a:p>
+          <a:p>
+            <a:r>
+              <a:t>Supabase           | Backend, auth, and database</a:t>
+            </a:r>
+          </a:p>
+          <a:p>
+            <a:r>
+              <a:t>HTML + Bootstrap   | Frontend UI</a:t>
+            </a:r>
+          </a:p>
+          <a:p>
+            <a:r>
+              <a:t>JavaScript         | Frontend logic and interactivity</a:t>
             </a:r>
           </a:p>
         </p:txBody>
@@ -4043,49 +4077,48 @@
         </p:nvSpPr>
         <p:spPr/>
         <p:txBody>
-          <a:bodyPr>
-            <a:normAutofit fontScale="92500" lnSpcReduction="10000"/>
-          </a:bodyPr>
-          <a:lstStyle/>
-          <a:p>
-            <a:r>
-              <a:rPr dirty="0"/>
+          <a:bodyPr/>
+          <a:lstStyle/>
+          <a:p>
+            <a:r>
+              <a:t>Who is this for?</a:t>
+            </a:r>
+          </a:p>
+          <a:p>
+            <a:r>
               <a:t>💈 Local barbershops &amp; hair salons</a:t>
             </a:r>
           </a:p>
           <a:p>
             <a:r>
-              <a:rPr dirty="0"/>
               <a:t>🍽️ Small eateries and cafés</a:t>
             </a:r>
           </a:p>
           <a:p>
             <a:r>
-              <a:rPr dirty="0"/>
               <a:t>💼 Informal micro-businesses with loyal clientele</a:t>
             </a:r>
           </a:p>
           <a:p>
-            <a:pPr marL="0" indent="0">
-              <a:buNone/>
-            </a:pPr>
-            <a:endParaRPr dirty="0"/>
-          </a:p>
-          <a:p>
-            <a:r>
-              <a:rPr dirty="0"/>
+            <a:endParaRPr/>
+          </a:p>
+          <a:p>
+            <a:r>
+              <a:t>Market Insight</a:t>
+            </a:r>
+          </a:p>
+          <a:p>
+            <a:r>
               <a:t>🧾 60%+ of informal businesses have no digital CRM</a:t>
             </a:r>
           </a:p>
           <a:p>
             <a:r>
-              <a:rPr dirty="0"/>
               <a:t>📱 90%+ of customers have a phone number</a:t>
             </a:r>
           </a:p>
           <a:p>
             <a:r>
-              <a:rPr dirty="0"/>
               <a:t>📊 Loyalty programs increase repeat purchases by 40%+</a:t>
             </a:r>
           </a:p>
@@ -4236,42 +4269,93 @@
         </p:nvSpPr>
         <p:spPr/>
         <p:txBody>
-          <a:bodyPr/>
-          <a:lstStyle/>
-          <a:p>
-            <a:r>
-              <a:t>**Users Table**</a:t>
-            </a:r>
-          </a:p>
-          <a:p>
-            <a:r>
-              <a:t>id, phone_number, created_at</a:t>
-            </a:r>
-          </a:p>
-          <a:p>
-            <a:endParaRPr/>
-          </a:p>
-          <a:p>
-            <a:r>
-              <a:t>**Visits Table**</a:t>
-            </a:r>
-          </a:p>
-          <a:p>
-            <a:r>
-              <a:t>id, user_id, visit_date</a:t>
-            </a:r>
-          </a:p>
-          <a:p>
-            <a:endParaRPr/>
-          </a:p>
-          <a:p>
-            <a:r>
-              <a:t>**Rewards Table (optional)**</a:t>
-            </a:r>
-          </a:p>
-          <a:p>
-            <a:r>
-              <a:t>id, user_id, reward_name, redeemed</a:t>
+          <a:bodyPr>
+            <a:normAutofit/>
+          </a:bodyPr>
+          <a:lstStyle/>
+          <a:p>
+            <a:r>
+              <a:rPr dirty="0"/>
+              <a:t>Users Table:</a:t>
+            </a:r>
+          </a:p>
+          <a:p>
+            <a:r>
+              <a:rPr dirty="0"/>
+              <a:t>id, </a:t>
+            </a:r>
+            <a:r>
+              <a:rPr dirty="0" err="1"/>
+              <a:t>phone_number</a:t>
+            </a:r>
+            <a:r>
+              <a:rPr dirty="0"/>
+              <a:t>, </a:t>
+            </a:r>
+            <a:r>
+              <a:rPr dirty="0" err="1"/>
+              <a:t>created_at</a:t>
+            </a:r>
+            <a:endParaRPr dirty="0"/>
+          </a:p>
+          <a:p>
+            <a:r>
+              <a:rPr dirty="0"/>
+              <a:t>Visits Table:</a:t>
+            </a:r>
+          </a:p>
+          <a:p>
+            <a:r>
+              <a:rPr dirty="0"/>
+              <a:t>id, </a:t>
+            </a:r>
+            <a:r>
+              <a:rPr dirty="0" err="1"/>
+              <a:t>user_id</a:t>
+            </a:r>
+            <a:r>
+              <a:rPr dirty="0"/>
+              <a:t>, </a:t>
+            </a:r>
+            <a:r>
+              <a:rPr dirty="0" err="1"/>
+              <a:t>visit</a:t>
+            </a:r>
+            <a:r>
+              <a:rPr err="1"/>
+              <a:t>_</a:t>
+            </a:r>
+            <a:r>
+              <a:t>date</a:t>
+            </a:r>
+            <a:endParaRPr dirty="0"/>
+          </a:p>
+          <a:p>
+            <a:r>
+              <a:rPr dirty="0"/>
+              <a:t>Rewards Table (optional):</a:t>
+            </a:r>
+          </a:p>
+          <a:p>
+            <a:r>
+              <a:rPr dirty="0"/>
+              <a:t>id, </a:t>
+            </a:r>
+            <a:r>
+              <a:rPr dirty="0" err="1"/>
+              <a:t>user_id</a:t>
+            </a:r>
+            <a:r>
+              <a:rPr dirty="0"/>
+              <a:t>, </a:t>
+            </a:r>
+            <a:r>
+              <a:rPr dirty="0" err="1"/>
+              <a:t>reward_name</a:t>
+            </a:r>
+            <a:r>
+              <a:rPr dirty="0"/>
+              <a:t>, redeemed</a:t>
             </a:r>
           </a:p>
         </p:txBody>
@@ -4404,7 +4488,7 @@
           <a:lstStyle/>
           <a:p>
             <a:r>
-              <a:t>UI Walkthrough (via MGX)</a:t>
+              <a:t>UI Walkthrough</a:t>
             </a:r>
           </a:p>
         </p:txBody>

--- a/Loyalty_Vibes_Pitch_Deck.pptx
+++ b/Loyalty_Vibes_Pitch_Deck.pptx
@@ -4075,9 +4075,16 @@
             <p:ph idx="1"/>
           </p:nvPr>
         </p:nvSpPr>
-        <p:spPr/>
-        <p:txBody>
-          <a:bodyPr/>
+        <p:spPr>
+          <a:xfrm>
+            <a:off x="-337931" y="2812774"/>
+            <a:ext cx="8229600" cy="4525963"/>
+          </a:xfrm>
+        </p:spPr>
+        <p:txBody>
+          <a:bodyPr>
+            <a:normAutofit fontScale="85000" lnSpcReduction="10000"/>
+          </a:bodyPr>
           <a:lstStyle/>
           <a:p>
             <a:r>
